--- a/Document/vector_graph.pptx
+++ b/Document/vector_graph.pptx
@@ -104,6 +104,11 @@
       </a:defRPr>
     </a:lvl9pPr>
   </p:defaultTextStyle>
+  <p:extLst>
+    <p:ext uri="{EFAFB233-063F-42B5-8137-9DF3F51BA10A}">
+      <p15:sldGuideLst xmlns:p15="http://schemas.microsoft.com/office/powerpoint/2012/main"/>
+    </p:ext>
+  </p:extLst>
 </p:presentation>
 </file>
 
@@ -238,7 +243,7 @@
           <a:p>
             <a:fld id="{48CA96C4-B0DD-47CD-9142-5EBE73BCBB37}" type="datetimeFigureOut">
               <a:rPr lang="ko-KR" altLang="en-US" smtClean="0"/>
-              <a:t>2022-05-13</a:t>
+              <a:t>2022-05-16</a:t>
             </a:fld>
             <a:endParaRPr lang="ko-KR" altLang="en-US"/>
           </a:p>
@@ -408,7 +413,7 @@
           <a:p>
             <a:fld id="{48CA96C4-B0DD-47CD-9142-5EBE73BCBB37}" type="datetimeFigureOut">
               <a:rPr lang="ko-KR" altLang="en-US" smtClean="0"/>
-              <a:t>2022-05-13</a:t>
+              <a:t>2022-05-16</a:t>
             </a:fld>
             <a:endParaRPr lang="ko-KR" altLang="en-US"/>
           </a:p>
@@ -588,7 +593,7 @@
           <a:p>
             <a:fld id="{48CA96C4-B0DD-47CD-9142-5EBE73BCBB37}" type="datetimeFigureOut">
               <a:rPr lang="ko-KR" altLang="en-US" smtClean="0"/>
-              <a:t>2022-05-13</a:t>
+              <a:t>2022-05-16</a:t>
             </a:fld>
             <a:endParaRPr lang="ko-KR" altLang="en-US"/>
           </a:p>
@@ -758,7 +763,7 @@
           <a:p>
             <a:fld id="{48CA96C4-B0DD-47CD-9142-5EBE73BCBB37}" type="datetimeFigureOut">
               <a:rPr lang="ko-KR" altLang="en-US" smtClean="0"/>
-              <a:t>2022-05-13</a:t>
+              <a:t>2022-05-16</a:t>
             </a:fld>
             <a:endParaRPr lang="ko-KR" altLang="en-US"/>
           </a:p>
@@ -1004,7 +1009,7 @@
           <a:p>
             <a:fld id="{48CA96C4-B0DD-47CD-9142-5EBE73BCBB37}" type="datetimeFigureOut">
               <a:rPr lang="ko-KR" altLang="en-US" smtClean="0"/>
-              <a:t>2022-05-13</a:t>
+              <a:t>2022-05-16</a:t>
             </a:fld>
             <a:endParaRPr lang="ko-KR" altLang="en-US"/>
           </a:p>
@@ -1236,7 +1241,7 @@
           <a:p>
             <a:fld id="{48CA96C4-B0DD-47CD-9142-5EBE73BCBB37}" type="datetimeFigureOut">
               <a:rPr lang="ko-KR" altLang="en-US" smtClean="0"/>
-              <a:t>2022-05-13</a:t>
+              <a:t>2022-05-16</a:t>
             </a:fld>
             <a:endParaRPr lang="ko-KR" altLang="en-US"/>
           </a:p>
@@ -1603,7 +1608,7 @@
           <a:p>
             <a:fld id="{48CA96C4-B0DD-47CD-9142-5EBE73BCBB37}" type="datetimeFigureOut">
               <a:rPr lang="ko-KR" altLang="en-US" smtClean="0"/>
-              <a:t>2022-05-13</a:t>
+              <a:t>2022-05-16</a:t>
             </a:fld>
             <a:endParaRPr lang="ko-KR" altLang="en-US"/>
           </a:p>
@@ -1721,7 +1726,7 @@
           <a:p>
             <a:fld id="{48CA96C4-B0DD-47CD-9142-5EBE73BCBB37}" type="datetimeFigureOut">
               <a:rPr lang="ko-KR" altLang="en-US" smtClean="0"/>
-              <a:t>2022-05-13</a:t>
+              <a:t>2022-05-16</a:t>
             </a:fld>
             <a:endParaRPr lang="ko-KR" altLang="en-US"/>
           </a:p>
@@ -1816,7 +1821,7 @@
           <a:p>
             <a:fld id="{48CA96C4-B0DD-47CD-9142-5EBE73BCBB37}" type="datetimeFigureOut">
               <a:rPr lang="ko-KR" altLang="en-US" smtClean="0"/>
-              <a:t>2022-05-13</a:t>
+              <a:t>2022-05-16</a:t>
             </a:fld>
             <a:endParaRPr lang="ko-KR" altLang="en-US"/>
           </a:p>
@@ -2093,7 +2098,7 @@
           <a:p>
             <a:fld id="{48CA96C4-B0DD-47CD-9142-5EBE73BCBB37}" type="datetimeFigureOut">
               <a:rPr lang="ko-KR" altLang="en-US" smtClean="0"/>
-              <a:t>2022-05-13</a:t>
+              <a:t>2022-05-16</a:t>
             </a:fld>
             <a:endParaRPr lang="ko-KR" altLang="en-US"/>
           </a:p>
@@ -2346,7 +2351,7 @@
           <a:p>
             <a:fld id="{48CA96C4-B0DD-47CD-9142-5EBE73BCBB37}" type="datetimeFigureOut">
               <a:rPr lang="ko-KR" altLang="en-US" smtClean="0"/>
-              <a:t>2022-05-13</a:t>
+              <a:t>2022-05-16</a:t>
             </a:fld>
             <a:endParaRPr lang="ko-KR" altLang="en-US"/>
           </a:p>
@@ -2559,7 +2564,7 @@
           <a:p>
             <a:fld id="{48CA96C4-B0DD-47CD-9142-5EBE73BCBB37}" type="datetimeFigureOut">
               <a:rPr lang="ko-KR" altLang="en-US" smtClean="0"/>
-              <a:t>2022-05-13</a:t>
+              <a:t>2022-05-16</a:t>
             </a:fld>
             <a:endParaRPr lang="ko-KR" altLang="en-US"/>
           </a:p>
@@ -2966,31 +2971,359 @@
       </p:grpSpPr>
       <p:cxnSp>
         <p:nvCxnSpPr>
-          <p:cNvPr id="8" name="직선 화살표 연결선 7"/>
+          <p:cNvPr id="109" name="직선 화살표 연결선 108"/>
           <p:cNvCxnSpPr/>
           <p:nvPr/>
         </p:nvCxnSpPr>
         <p:spPr>
-          <a:xfrm flipH="1">
-            <a:off x="3640975" y="3499659"/>
-            <a:ext cx="4397433" cy="0"/>
+          <a:xfrm flipV="1">
+            <a:off x="7312705" y="636923"/>
+            <a:ext cx="644941" cy="2732096"/>
           </a:xfrm>
           <a:prstGeom prst="straightConnector1">
             <a:avLst/>
           </a:prstGeom>
-          <a:ln w="38100">
+          <a:ln w="9525">
+            <a:solidFill>
+              <a:schemeClr val="tx1"/>
+            </a:solidFill>
             <a:tailEnd type="triangle"/>
           </a:ln>
         </p:spPr>
         <p:style>
           <a:lnRef idx="1">
+            <a:schemeClr val="accent1"/>
+          </a:lnRef>
+          <a:fillRef idx="0">
+            <a:schemeClr val="accent1"/>
+          </a:fillRef>
+          <a:effectRef idx="0">
+            <a:schemeClr val="accent1"/>
+          </a:effectRef>
+          <a:fontRef idx="minor">
+            <a:schemeClr val="tx1"/>
+          </a:fontRef>
+        </p:style>
+      </p:cxnSp>
+      <p:sp>
+        <p:nvSpPr>
+          <p:cNvPr id="67" name="직사각형 66"/>
+          <p:cNvSpPr/>
+          <p:nvPr/>
+        </p:nvSpPr>
+        <p:spPr>
+          <a:xfrm>
+            <a:off x="3245774" y="3079779"/>
+            <a:ext cx="214604" cy="242596"/>
+          </a:xfrm>
+          <a:prstGeom prst="rect">
+            <a:avLst/>
+          </a:prstGeom>
+          <a:noFill/>
+          <a:ln w="25400"/>
+        </p:spPr>
+        <p:style>
+          <a:lnRef idx="2">
             <a:schemeClr val="dk1"/>
           </a:lnRef>
-          <a:fillRef idx="0">
-            <a:schemeClr val="dk1"/>
+          <a:fillRef idx="1">
+            <a:schemeClr val="lt1"/>
           </a:fillRef>
           <a:effectRef idx="0">
             <a:schemeClr val="dk1"/>
+          </a:effectRef>
+          <a:fontRef idx="minor">
+            <a:schemeClr val="dk1"/>
+          </a:fontRef>
+        </p:style>
+        <p:txBody>
+          <a:bodyPr rtlCol="0" anchor="ctr"/>
+          <a:lstStyle/>
+          <a:p>
+            <a:pPr algn="ctr"/>
+            <a:endParaRPr lang="ko-KR" altLang="en-US" dirty="0"/>
+          </a:p>
+        </p:txBody>
+      </p:sp>
+      <p:grpSp>
+        <p:nvGrpSpPr>
+          <p:cNvPr id="13" name="그룹 12"/>
+          <p:cNvGrpSpPr/>
+          <p:nvPr/>
+        </p:nvGrpSpPr>
+        <p:grpSpPr>
+          <a:xfrm>
+            <a:off x="1003668" y="1139518"/>
+            <a:ext cx="4543467" cy="4199714"/>
+            <a:chOff x="994337" y="1139518"/>
+            <a:chExt cx="4543467" cy="4199714"/>
+          </a:xfrm>
+        </p:grpSpPr>
+        <p:cxnSp>
+          <p:nvCxnSpPr>
+            <p:cNvPr id="8" name="직선 화살표 연결선 7"/>
+            <p:cNvCxnSpPr/>
+            <p:nvPr/>
+          </p:nvCxnSpPr>
+          <p:spPr>
+            <a:xfrm flipH="1">
+              <a:off x="1140371" y="3331708"/>
+              <a:ext cx="4397433" cy="0"/>
+            </a:xfrm>
+            <a:prstGeom prst="straightConnector1">
+              <a:avLst/>
+            </a:prstGeom>
+            <a:ln w="38100">
+              <a:tailEnd type="triangle"/>
+            </a:ln>
+          </p:spPr>
+          <p:style>
+            <a:lnRef idx="1">
+              <a:schemeClr val="dk1"/>
+            </a:lnRef>
+            <a:fillRef idx="0">
+              <a:schemeClr val="dk1"/>
+            </a:fillRef>
+            <a:effectRef idx="0">
+              <a:schemeClr val="dk1"/>
+            </a:effectRef>
+            <a:fontRef idx="minor">
+              <a:schemeClr val="tx1"/>
+            </a:fontRef>
+          </p:style>
+        </p:cxnSp>
+        <p:cxnSp>
+          <p:nvCxnSpPr>
+            <p:cNvPr id="15" name="직선 화살표 연결선 14"/>
+            <p:cNvCxnSpPr/>
+            <p:nvPr/>
+          </p:nvCxnSpPr>
+          <p:spPr>
+            <a:xfrm flipV="1">
+              <a:off x="3235178" y="1324184"/>
+              <a:ext cx="0" cy="4015048"/>
+            </a:xfrm>
+            <a:prstGeom prst="straightConnector1">
+              <a:avLst/>
+            </a:prstGeom>
+            <a:ln w="38100">
+              <a:tailEnd type="triangle"/>
+            </a:ln>
+          </p:spPr>
+          <p:style>
+            <a:lnRef idx="1">
+              <a:schemeClr val="dk1"/>
+            </a:lnRef>
+            <a:fillRef idx="0">
+              <a:schemeClr val="dk1"/>
+            </a:fillRef>
+            <a:effectRef idx="0">
+              <a:schemeClr val="dk1"/>
+            </a:effectRef>
+            <a:fontRef idx="minor">
+              <a:schemeClr val="tx1"/>
+            </a:fontRef>
+          </p:style>
+        </p:cxnSp>
+        <p:cxnSp>
+          <p:nvCxnSpPr>
+            <p:cNvPr id="17" name="직선 화살표 연결선 16"/>
+            <p:cNvCxnSpPr/>
+            <p:nvPr/>
+          </p:nvCxnSpPr>
+          <p:spPr>
+            <a:xfrm flipV="1">
+              <a:off x="3225848" y="2023516"/>
+              <a:ext cx="9329" cy="1308194"/>
+            </a:xfrm>
+            <a:prstGeom prst="straightConnector1">
+              <a:avLst/>
+            </a:prstGeom>
+            <a:ln w="28575">
+              <a:tailEnd type="triangle"/>
+            </a:ln>
+          </p:spPr>
+          <p:style>
+            <a:lnRef idx="1">
+              <a:schemeClr val="accent6"/>
+            </a:lnRef>
+            <a:fillRef idx="0">
+              <a:schemeClr val="accent6"/>
+            </a:fillRef>
+            <a:effectRef idx="0">
+              <a:schemeClr val="accent6"/>
+            </a:effectRef>
+            <a:fontRef idx="minor">
+              <a:schemeClr val="tx1"/>
+            </a:fontRef>
+          </p:style>
+        </p:cxnSp>
+        <p:sp>
+          <p:nvSpPr>
+            <p:cNvPr id="19" name="TextBox 18"/>
+            <p:cNvSpPr txBox="1"/>
+            <p:nvPr/>
+          </p:nvSpPr>
+          <p:spPr>
+            <a:xfrm>
+              <a:off x="994337" y="3331708"/>
+              <a:ext cx="292068" cy="369332"/>
+            </a:xfrm>
+            <a:prstGeom prst="rect">
+              <a:avLst/>
+            </a:prstGeom>
+            <a:noFill/>
+          </p:spPr>
+          <p:txBody>
+            <a:bodyPr wrap="none" rtlCol="0">
+              <a:spAutoFit/>
+            </a:bodyPr>
+            <a:lstStyle/>
+            <a:p>
+              <a:r>
+                <a:rPr lang="en-US" altLang="ko-KR" dirty="0" smtClean="0"/>
+                <a:t>x</a:t>
+              </a:r>
+              <a:endParaRPr lang="ko-KR" altLang="en-US" dirty="0"/>
+            </a:p>
+          </p:txBody>
+        </p:sp>
+        <p:sp>
+          <p:nvSpPr>
+            <p:cNvPr id="20" name="TextBox 19"/>
+            <p:cNvSpPr txBox="1"/>
+            <p:nvPr/>
+          </p:nvSpPr>
+          <p:spPr>
+            <a:xfrm>
+              <a:off x="2869418" y="1139518"/>
+              <a:ext cx="298480" cy="369332"/>
+            </a:xfrm>
+            <a:prstGeom prst="rect">
+              <a:avLst/>
+            </a:prstGeom>
+            <a:noFill/>
+          </p:spPr>
+          <p:txBody>
+            <a:bodyPr wrap="none" rtlCol="0">
+              <a:spAutoFit/>
+            </a:bodyPr>
+            <a:lstStyle/>
+            <a:p>
+              <a:r>
+                <a:rPr lang="en-US" altLang="ko-KR" dirty="0"/>
+                <a:t>y</a:t>
+              </a:r>
+              <a:endParaRPr lang="ko-KR" altLang="en-US" dirty="0"/>
+            </a:p>
+          </p:txBody>
+        </p:sp>
+        <p:cxnSp>
+          <p:nvCxnSpPr>
+            <p:cNvPr id="21" name="직선 화살표 연결선 20"/>
+            <p:cNvCxnSpPr>
+              <a:endCxn id="5" idx="6"/>
+            </p:cNvCxnSpPr>
+            <p:nvPr/>
+          </p:nvCxnSpPr>
+          <p:spPr>
+            <a:xfrm>
+              <a:off x="3235178" y="3331707"/>
+              <a:ext cx="1267152" cy="2"/>
+            </a:xfrm>
+            <a:prstGeom prst="straightConnector1">
+              <a:avLst/>
+            </a:prstGeom>
+            <a:ln w="28575">
+              <a:solidFill>
+                <a:srgbClr val="FF0000"/>
+              </a:solidFill>
+              <a:tailEnd type="triangle"/>
+            </a:ln>
+          </p:spPr>
+          <p:style>
+            <a:lnRef idx="1">
+              <a:schemeClr val="accent6"/>
+            </a:lnRef>
+            <a:fillRef idx="0">
+              <a:schemeClr val="accent6"/>
+            </a:fillRef>
+            <a:effectRef idx="0">
+              <a:schemeClr val="accent6"/>
+            </a:effectRef>
+            <a:fontRef idx="minor">
+              <a:schemeClr val="tx1"/>
+            </a:fontRef>
+          </p:style>
+        </p:cxnSp>
+        <p:sp>
+          <p:nvSpPr>
+            <p:cNvPr id="5" name="타원 4"/>
+            <p:cNvSpPr/>
+            <p:nvPr/>
+          </p:nvSpPr>
+          <p:spPr>
+            <a:xfrm>
+              <a:off x="1833466" y="1997277"/>
+              <a:ext cx="2668864" cy="2668864"/>
+            </a:xfrm>
+            <a:prstGeom prst="ellipse">
+              <a:avLst/>
+            </a:prstGeom>
+            <a:noFill/>
+            <a:ln w="25400"/>
+          </p:spPr>
+          <p:style>
+            <a:lnRef idx="2">
+              <a:schemeClr val="accent2"/>
+            </a:lnRef>
+            <a:fillRef idx="1">
+              <a:schemeClr val="lt1"/>
+            </a:fillRef>
+            <a:effectRef idx="0">
+              <a:schemeClr val="accent2"/>
+            </a:effectRef>
+            <a:fontRef idx="minor">
+              <a:schemeClr val="dk1"/>
+            </a:fontRef>
+          </p:style>
+          <p:txBody>
+            <a:bodyPr rtlCol="0" anchor="ctr"/>
+            <a:lstStyle/>
+            <a:p>
+              <a:pPr algn="ctr"/>
+              <a:endParaRPr lang="ko-KR" altLang="en-US"/>
+            </a:p>
+          </p:txBody>
+        </p:sp>
+      </p:grpSp>
+      <p:cxnSp>
+        <p:nvCxnSpPr>
+          <p:cNvPr id="16" name="직선 화살표 연결선 15"/>
+          <p:cNvCxnSpPr/>
+          <p:nvPr/>
+        </p:nvCxnSpPr>
+        <p:spPr>
+          <a:xfrm>
+            <a:off x="6120882" y="1324184"/>
+            <a:ext cx="3144416" cy="1231316"/>
+          </a:xfrm>
+          <a:prstGeom prst="straightConnector1">
+            <a:avLst/>
+          </a:prstGeom>
+          <a:ln>
+            <a:tailEnd type="triangle"/>
+          </a:ln>
+        </p:spPr>
+        <p:style>
+          <a:lnRef idx="1">
+            <a:schemeClr val="accent1"/>
+          </a:lnRef>
+          <a:fillRef idx="0">
+            <a:schemeClr val="accent1"/>
+          </a:fillRef>
+          <a:effectRef idx="0">
+            <a:schemeClr val="accent1"/>
           </a:effectRef>
           <a:fontRef idx="minor">
             <a:schemeClr val="tx1"/>
@@ -2999,31 +3332,31 @@
       </p:cxnSp>
       <p:cxnSp>
         <p:nvCxnSpPr>
-          <p:cNvPr id="15" name="직선 화살표 연결선 14"/>
+          <p:cNvPr id="24" name="직선 화살표 연결선 23"/>
           <p:cNvCxnSpPr/>
           <p:nvPr/>
         </p:nvCxnSpPr>
         <p:spPr>
           <a:xfrm flipV="1">
-            <a:off x="5735782" y="1492135"/>
-            <a:ext cx="0" cy="4015048"/>
+            <a:off x="6783355" y="849086"/>
+            <a:ext cx="1679510" cy="2258534"/>
           </a:xfrm>
           <a:prstGeom prst="straightConnector1">
             <a:avLst/>
           </a:prstGeom>
-          <a:ln w="38100">
+          <a:ln>
             <a:tailEnd type="triangle"/>
           </a:ln>
         </p:spPr>
         <p:style>
           <a:lnRef idx="1">
-            <a:schemeClr val="dk1"/>
+            <a:schemeClr val="accent1"/>
           </a:lnRef>
           <a:fillRef idx="0">
-            <a:schemeClr val="dk1"/>
+            <a:schemeClr val="accent1"/>
           </a:fillRef>
           <a:effectRef idx="0">
-            <a:schemeClr val="dk1"/>
+            <a:schemeClr val="accent1"/>
           </a:effectRef>
           <a:fontRef idx="minor">
             <a:schemeClr val="tx1"/>
@@ -3032,150 +3365,99 @@
       </p:cxnSp>
       <p:cxnSp>
         <p:nvCxnSpPr>
-          <p:cNvPr id="17" name="직선 화살표 연결선 16"/>
+          <p:cNvPr id="27" name="직선 화살표 연결선 26"/>
           <p:cNvCxnSpPr/>
           <p:nvPr/>
         </p:nvCxnSpPr>
         <p:spPr>
           <a:xfrm flipV="1">
-            <a:off x="5735783" y="1970116"/>
-            <a:ext cx="806333" cy="1529543"/>
+            <a:off x="7665097" y="449815"/>
+            <a:ext cx="0" cy="2891223"/>
           </a:xfrm>
           <a:prstGeom prst="straightConnector1">
             <a:avLst/>
           </a:prstGeom>
-          <a:ln w="28575">
+          <a:ln>
             <a:tailEnd type="triangle"/>
           </a:ln>
         </p:spPr>
         <p:style>
           <a:lnRef idx="1">
-            <a:schemeClr val="accent6"/>
+            <a:schemeClr val="accent1"/>
           </a:lnRef>
           <a:fillRef idx="0">
-            <a:schemeClr val="accent6"/>
+            <a:schemeClr val="accent1"/>
           </a:fillRef>
           <a:effectRef idx="0">
-            <a:schemeClr val="accent6"/>
+            <a:schemeClr val="accent1"/>
           </a:effectRef>
           <a:fontRef idx="minor">
             <a:schemeClr val="tx1"/>
           </a:fontRef>
         </p:style>
       </p:cxnSp>
-      <p:sp>
-        <p:nvSpPr>
-          <p:cNvPr id="19" name="TextBox 18"/>
-          <p:cNvSpPr txBox="1"/>
-          <p:nvPr/>
-        </p:nvSpPr>
-        <p:spPr>
-          <a:xfrm>
-            <a:off x="3494941" y="3499659"/>
-            <a:ext cx="292068" cy="369332"/>
-          </a:xfrm>
-          <a:prstGeom prst="rect">
-            <a:avLst/>
-          </a:prstGeom>
-          <a:noFill/>
-        </p:spPr>
-        <p:txBody>
-          <a:bodyPr wrap="none" rtlCol="0">
-            <a:spAutoFit/>
-          </a:bodyPr>
-          <a:lstStyle/>
-          <a:p>
-            <a:r>
-              <a:rPr lang="en-US" altLang="ko-KR" dirty="0" smtClean="0"/>
-              <a:t>x</a:t>
-            </a:r>
-            <a:endParaRPr lang="ko-KR" altLang="en-US" dirty="0"/>
-          </a:p>
-        </p:txBody>
-      </p:sp>
-      <p:sp>
-        <p:nvSpPr>
-          <p:cNvPr id="20" name="TextBox 19"/>
-          <p:cNvSpPr txBox="1"/>
-          <p:nvPr/>
-        </p:nvSpPr>
-        <p:spPr>
-          <a:xfrm>
-            <a:off x="5370022" y="1307469"/>
-            <a:ext cx="298480" cy="369332"/>
-          </a:xfrm>
-          <a:prstGeom prst="rect">
-            <a:avLst/>
-          </a:prstGeom>
-          <a:noFill/>
-        </p:spPr>
-        <p:txBody>
-          <a:bodyPr wrap="none" rtlCol="0">
-            <a:spAutoFit/>
-          </a:bodyPr>
-          <a:lstStyle/>
-          <a:p>
-            <a:r>
-              <a:rPr lang="en-US" altLang="ko-KR" dirty="0"/>
-              <a:t>y</a:t>
-            </a:r>
-            <a:endParaRPr lang="ko-KR" altLang="en-US" dirty="0"/>
-          </a:p>
-        </p:txBody>
-      </p:sp>
       <p:cxnSp>
         <p:nvCxnSpPr>
-          <p:cNvPr id="21" name="직선 화살표 연결선 20"/>
+          <p:cNvPr id="30" name="직선 연결선 29"/>
           <p:cNvCxnSpPr/>
           <p:nvPr/>
         </p:nvCxnSpPr>
         <p:spPr>
-          <a:xfrm flipV="1">
-            <a:off x="5888183" y="2122516"/>
-            <a:ext cx="806333" cy="1529543"/>
-          </a:xfrm>
-          <a:prstGeom prst="straightConnector1">
+          <a:xfrm>
+            <a:off x="7665097" y="1250302"/>
+            <a:ext cx="648479" cy="258548"/>
+          </a:xfrm>
+          <a:prstGeom prst="line">
             <a:avLst/>
           </a:prstGeom>
-          <a:ln w="28575">
+          <a:ln>
             <a:solidFill>
-              <a:srgbClr val="FF0000"/>
+              <a:schemeClr val="accent2">
+                <a:lumMod val="60000"/>
+                <a:lumOff val="40000"/>
+              </a:schemeClr>
             </a:solidFill>
-            <a:tailEnd type="triangle"/>
+            <a:prstDash val="sysDash"/>
           </a:ln>
         </p:spPr>
         <p:style>
           <a:lnRef idx="1">
-            <a:schemeClr val="accent6"/>
+            <a:schemeClr val="accent1"/>
           </a:lnRef>
           <a:fillRef idx="0">
-            <a:schemeClr val="accent6"/>
+            <a:schemeClr val="accent1"/>
           </a:fillRef>
           <a:effectRef idx="0">
-            <a:schemeClr val="accent6"/>
+            <a:schemeClr val="accent1"/>
           </a:effectRef>
           <a:fontRef idx="minor">
             <a:schemeClr val="tx1"/>
           </a:fontRef>
         </p:style>
       </p:cxnSp>
-      <p:sp>
-        <p:nvSpPr>
-          <p:cNvPr id="22" name="원호 21"/>
-          <p:cNvSpPr/>
+      <p:cxnSp>
+        <p:nvCxnSpPr>
+          <p:cNvPr id="32" name="직선 연결선 31"/>
+          <p:cNvCxnSpPr/>
           <p:nvPr/>
-        </p:nvSpPr>
+        </p:nvCxnSpPr>
         <p:spPr>
           <a:xfrm>
-            <a:off x="5583383" y="2745172"/>
-            <a:ext cx="516361" cy="385156"/>
-          </a:xfrm>
-          <a:prstGeom prst="arc">
-            <a:avLst>
-              <a:gd name="adj1" fmla="val 14808060"/>
-              <a:gd name="adj2" fmla="val 20220603"/>
-            </a:avLst>
+            <a:off x="8311243" y="1526755"/>
+            <a:ext cx="2333" cy="647278"/>
+          </a:xfrm>
+          <a:prstGeom prst="line">
+            <a:avLst/>
           </a:prstGeom>
+          <a:ln>
+            <a:solidFill>
+              <a:schemeClr val="accent2">
+                <a:lumMod val="60000"/>
+                <a:lumOff val="40000"/>
+              </a:schemeClr>
+            </a:solidFill>
+            <a:prstDash val="sysDash"/>
+          </a:ln>
         </p:spPr>
         <p:style>
           <a:lnRef idx="1">
@@ -3191,6 +3473,462 @@
             <a:schemeClr val="tx1"/>
           </a:fontRef>
         </p:style>
+      </p:cxnSp>
+      <p:cxnSp>
+        <p:nvCxnSpPr>
+          <p:cNvPr id="35" name="직선 연결선 34"/>
+          <p:cNvCxnSpPr/>
+          <p:nvPr/>
+        </p:nvCxnSpPr>
+        <p:spPr>
+          <a:xfrm>
+            <a:off x="7886891" y="956328"/>
+            <a:ext cx="2333" cy="647278"/>
+          </a:xfrm>
+          <a:prstGeom prst="line">
+            <a:avLst/>
+          </a:prstGeom>
+          <a:ln>
+            <a:solidFill>
+              <a:schemeClr val="accent2">
+                <a:lumMod val="60000"/>
+                <a:lumOff val="40000"/>
+              </a:schemeClr>
+            </a:solidFill>
+            <a:prstDash val="sysDash"/>
+          </a:ln>
+        </p:spPr>
+        <p:style>
+          <a:lnRef idx="1">
+            <a:schemeClr val="accent1"/>
+          </a:lnRef>
+          <a:fillRef idx="0">
+            <a:schemeClr val="accent1"/>
+          </a:fillRef>
+          <a:effectRef idx="0">
+            <a:schemeClr val="accent1"/>
+          </a:effectRef>
+          <a:fontRef idx="minor">
+            <a:schemeClr val="tx1"/>
+          </a:fontRef>
+        </p:style>
+      </p:cxnSp>
+      <p:cxnSp>
+        <p:nvCxnSpPr>
+          <p:cNvPr id="36" name="직선 연결선 35"/>
+          <p:cNvCxnSpPr/>
+          <p:nvPr/>
+        </p:nvCxnSpPr>
+        <p:spPr>
+          <a:xfrm>
+            <a:off x="8557337" y="1200439"/>
+            <a:ext cx="2333" cy="647278"/>
+          </a:xfrm>
+          <a:prstGeom prst="line">
+            <a:avLst/>
+          </a:prstGeom>
+          <a:ln>
+            <a:solidFill>
+              <a:schemeClr val="accent2">
+                <a:lumMod val="60000"/>
+                <a:lumOff val="40000"/>
+              </a:schemeClr>
+            </a:solidFill>
+            <a:prstDash val="sysDash"/>
+          </a:ln>
+        </p:spPr>
+        <p:style>
+          <a:lnRef idx="1">
+            <a:schemeClr val="accent1"/>
+          </a:lnRef>
+          <a:fillRef idx="0">
+            <a:schemeClr val="accent1"/>
+          </a:fillRef>
+          <a:effectRef idx="0">
+            <a:schemeClr val="accent1"/>
+          </a:effectRef>
+          <a:fontRef idx="minor">
+            <a:schemeClr val="tx1"/>
+          </a:fontRef>
+        </p:style>
+      </p:cxnSp>
+      <p:cxnSp>
+        <p:nvCxnSpPr>
+          <p:cNvPr id="37" name="직선 연결선 36"/>
+          <p:cNvCxnSpPr/>
+          <p:nvPr/>
+        </p:nvCxnSpPr>
+        <p:spPr>
+          <a:xfrm flipH="1">
+            <a:off x="8298611" y="1194542"/>
+            <a:ext cx="257560" cy="331490"/>
+          </a:xfrm>
+          <a:prstGeom prst="line">
+            <a:avLst/>
+          </a:prstGeom>
+          <a:ln>
+            <a:solidFill>
+              <a:schemeClr val="accent2">
+                <a:lumMod val="60000"/>
+                <a:lumOff val="40000"/>
+              </a:schemeClr>
+            </a:solidFill>
+            <a:prstDash val="sysDash"/>
+          </a:ln>
+        </p:spPr>
+        <p:style>
+          <a:lnRef idx="1">
+            <a:schemeClr val="accent1"/>
+          </a:lnRef>
+          <a:fillRef idx="0">
+            <a:schemeClr val="accent1"/>
+          </a:fillRef>
+          <a:effectRef idx="0">
+            <a:schemeClr val="accent1"/>
+          </a:effectRef>
+          <a:fontRef idx="minor">
+            <a:schemeClr val="tx1"/>
+          </a:fontRef>
+        </p:style>
+      </p:cxnSp>
+      <p:cxnSp>
+        <p:nvCxnSpPr>
+          <p:cNvPr id="40" name="직선 연결선 39"/>
+          <p:cNvCxnSpPr/>
+          <p:nvPr/>
+        </p:nvCxnSpPr>
+        <p:spPr>
+          <a:xfrm flipH="1">
+            <a:off x="8311243" y="1857771"/>
+            <a:ext cx="257560" cy="331490"/>
+          </a:xfrm>
+          <a:prstGeom prst="line">
+            <a:avLst/>
+          </a:prstGeom>
+          <a:ln>
+            <a:solidFill>
+              <a:schemeClr val="accent2">
+                <a:lumMod val="60000"/>
+                <a:lumOff val="40000"/>
+              </a:schemeClr>
+            </a:solidFill>
+            <a:prstDash val="sysDash"/>
+          </a:ln>
+        </p:spPr>
+        <p:style>
+          <a:lnRef idx="1">
+            <a:schemeClr val="accent1"/>
+          </a:lnRef>
+          <a:fillRef idx="0">
+            <a:schemeClr val="accent1"/>
+          </a:fillRef>
+          <a:effectRef idx="0">
+            <a:schemeClr val="accent1"/>
+          </a:effectRef>
+          <a:fontRef idx="minor">
+            <a:schemeClr val="tx1"/>
+          </a:fontRef>
+        </p:style>
+      </p:cxnSp>
+      <p:cxnSp>
+        <p:nvCxnSpPr>
+          <p:cNvPr id="41" name="직선 연결선 40"/>
+          <p:cNvCxnSpPr/>
+          <p:nvPr/>
+        </p:nvCxnSpPr>
+        <p:spPr>
+          <a:xfrm>
+            <a:off x="7889030" y="935833"/>
+            <a:ext cx="648479" cy="258548"/>
+          </a:xfrm>
+          <a:prstGeom prst="line">
+            <a:avLst/>
+          </a:prstGeom>
+          <a:ln>
+            <a:solidFill>
+              <a:schemeClr val="accent2">
+                <a:lumMod val="60000"/>
+                <a:lumOff val="40000"/>
+              </a:schemeClr>
+            </a:solidFill>
+            <a:prstDash val="sysDash"/>
+          </a:ln>
+        </p:spPr>
+        <p:style>
+          <a:lnRef idx="1">
+            <a:schemeClr val="accent1"/>
+          </a:lnRef>
+          <a:fillRef idx="0">
+            <a:schemeClr val="accent1"/>
+          </a:fillRef>
+          <a:effectRef idx="0">
+            <a:schemeClr val="accent1"/>
+          </a:effectRef>
+          <a:fontRef idx="minor">
+            <a:schemeClr val="tx1"/>
+          </a:fontRef>
+        </p:style>
+      </p:cxnSp>
+      <p:cxnSp>
+        <p:nvCxnSpPr>
+          <p:cNvPr id="42" name="직선 연결선 41"/>
+          <p:cNvCxnSpPr/>
+          <p:nvPr/>
+        </p:nvCxnSpPr>
+        <p:spPr>
+          <a:xfrm flipH="1">
+            <a:off x="7629332" y="925021"/>
+            <a:ext cx="257560" cy="331490"/>
+          </a:xfrm>
+          <a:prstGeom prst="line">
+            <a:avLst/>
+          </a:prstGeom>
+          <a:ln>
+            <a:solidFill>
+              <a:schemeClr val="accent2">
+                <a:lumMod val="60000"/>
+                <a:lumOff val="40000"/>
+              </a:schemeClr>
+            </a:solidFill>
+            <a:prstDash val="sysDash"/>
+          </a:ln>
+        </p:spPr>
+        <p:style>
+          <a:lnRef idx="1">
+            <a:schemeClr val="accent1"/>
+          </a:lnRef>
+          <a:fillRef idx="0">
+            <a:schemeClr val="accent1"/>
+          </a:fillRef>
+          <a:effectRef idx="0">
+            <a:schemeClr val="accent1"/>
+          </a:effectRef>
+          <a:fontRef idx="minor">
+            <a:schemeClr val="tx1"/>
+          </a:fontRef>
+        </p:style>
+      </p:cxnSp>
+      <p:cxnSp>
+        <p:nvCxnSpPr>
+          <p:cNvPr id="43" name="직선 연결선 42"/>
+          <p:cNvCxnSpPr/>
+          <p:nvPr/>
+        </p:nvCxnSpPr>
+        <p:spPr>
+          <a:xfrm>
+            <a:off x="7891361" y="1589169"/>
+            <a:ext cx="648479" cy="258548"/>
+          </a:xfrm>
+          <a:prstGeom prst="line">
+            <a:avLst/>
+          </a:prstGeom>
+          <a:ln>
+            <a:solidFill>
+              <a:schemeClr val="accent2">
+                <a:lumMod val="60000"/>
+                <a:lumOff val="40000"/>
+              </a:schemeClr>
+            </a:solidFill>
+            <a:prstDash val="sysDash"/>
+          </a:ln>
+        </p:spPr>
+        <p:style>
+          <a:lnRef idx="1">
+            <a:schemeClr val="accent1"/>
+          </a:lnRef>
+          <a:fillRef idx="0">
+            <a:schemeClr val="accent1"/>
+          </a:fillRef>
+          <a:effectRef idx="0">
+            <a:schemeClr val="accent1"/>
+          </a:effectRef>
+          <a:fontRef idx="minor">
+            <a:schemeClr val="tx1"/>
+          </a:fontRef>
+        </p:style>
+      </p:cxnSp>
+      <p:cxnSp>
+        <p:nvCxnSpPr>
+          <p:cNvPr id="44" name="직선 연결선 43"/>
+          <p:cNvCxnSpPr/>
+          <p:nvPr/>
+        </p:nvCxnSpPr>
+        <p:spPr>
+          <a:xfrm flipH="1">
+            <a:off x="7649450" y="1590648"/>
+            <a:ext cx="257560" cy="331490"/>
+          </a:xfrm>
+          <a:prstGeom prst="line">
+            <a:avLst/>
+          </a:prstGeom>
+          <a:ln>
+            <a:solidFill>
+              <a:schemeClr val="accent2">
+                <a:lumMod val="60000"/>
+                <a:lumOff val="40000"/>
+              </a:schemeClr>
+            </a:solidFill>
+            <a:prstDash val="sysDash"/>
+          </a:ln>
+        </p:spPr>
+        <p:style>
+          <a:lnRef idx="1">
+            <a:schemeClr val="accent1"/>
+          </a:lnRef>
+          <a:fillRef idx="0">
+            <a:schemeClr val="accent1"/>
+          </a:fillRef>
+          <a:effectRef idx="0">
+            <a:schemeClr val="accent1"/>
+          </a:effectRef>
+          <a:fontRef idx="minor">
+            <a:schemeClr val="tx1"/>
+          </a:fontRef>
+        </p:style>
+      </p:cxnSp>
+      <p:cxnSp>
+        <p:nvCxnSpPr>
+          <p:cNvPr id="45" name="직선 연결선 44"/>
+          <p:cNvCxnSpPr/>
+          <p:nvPr/>
+        </p:nvCxnSpPr>
+        <p:spPr>
+          <a:xfrm>
+            <a:off x="7652167" y="1269190"/>
+            <a:ext cx="2333" cy="647278"/>
+          </a:xfrm>
+          <a:prstGeom prst="line">
+            <a:avLst/>
+          </a:prstGeom>
+          <a:ln>
+            <a:solidFill>
+              <a:schemeClr val="accent2">
+                <a:lumMod val="60000"/>
+                <a:lumOff val="40000"/>
+              </a:schemeClr>
+            </a:solidFill>
+            <a:prstDash val="sysDash"/>
+          </a:ln>
+        </p:spPr>
+        <p:style>
+          <a:lnRef idx="1">
+            <a:schemeClr val="accent1"/>
+          </a:lnRef>
+          <a:fillRef idx="0">
+            <a:schemeClr val="accent1"/>
+          </a:fillRef>
+          <a:effectRef idx="0">
+            <a:schemeClr val="accent1"/>
+          </a:effectRef>
+          <a:fontRef idx="minor">
+            <a:schemeClr val="tx1"/>
+          </a:fontRef>
+        </p:style>
+      </p:cxnSp>
+      <p:cxnSp>
+        <p:nvCxnSpPr>
+          <p:cNvPr id="46" name="직선 연결선 45"/>
+          <p:cNvCxnSpPr/>
+          <p:nvPr/>
+        </p:nvCxnSpPr>
+        <p:spPr>
+          <a:xfrm>
+            <a:off x="7633407" y="1915856"/>
+            <a:ext cx="648479" cy="258548"/>
+          </a:xfrm>
+          <a:prstGeom prst="line">
+            <a:avLst/>
+          </a:prstGeom>
+          <a:ln>
+            <a:solidFill>
+              <a:schemeClr val="accent2">
+                <a:lumMod val="60000"/>
+                <a:lumOff val="40000"/>
+              </a:schemeClr>
+            </a:solidFill>
+            <a:prstDash val="sysDash"/>
+          </a:ln>
+        </p:spPr>
+        <p:style>
+          <a:lnRef idx="1">
+            <a:schemeClr val="accent1"/>
+          </a:lnRef>
+          <a:fillRef idx="0">
+            <a:schemeClr val="accent1"/>
+          </a:fillRef>
+          <a:effectRef idx="0">
+            <a:schemeClr val="accent1"/>
+          </a:effectRef>
+          <a:fontRef idx="minor">
+            <a:schemeClr val="tx1"/>
+          </a:fontRef>
+        </p:style>
+      </p:cxnSp>
+      <p:cxnSp>
+        <p:nvCxnSpPr>
+          <p:cNvPr id="56" name="직선 화살표 연결선 55"/>
+          <p:cNvCxnSpPr/>
+          <p:nvPr/>
+        </p:nvCxnSpPr>
+        <p:spPr>
+          <a:xfrm flipV="1">
+            <a:off x="7654500" y="969228"/>
+            <a:ext cx="226263" cy="970614"/>
+          </a:xfrm>
+          <a:prstGeom prst="straightConnector1">
+            <a:avLst/>
+          </a:prstGeom>
+          <a:ln w="25400">
+            <a:solidFill>
+              <a:srgbClr val="FF0000"/>
+            </a:solidFill>
+            <a:tailEnd type="triangle"/>
+          </a:ln>
+        </p:spPr>
+        <p:style>
+          <a:lnRef idx="1">
+            <a:schemeClr val="accent1"/>
+          </a:lnRef>
+          <a:fillRef idx="0">
+            <a:schemeClr val="accent1"/>
+          </a:fillRef>
+          <a:effectRef idx="0">
+            <a:schemeClr val="accent1"/>
+          </a:effectRef>
+          <a:fontRef idx="minor">
+            <a:schemeClr val="tx1"/>
+          </a:fontRef>
+        </p:style>
+      </p:cxnSp>
+      <p:sp>
+        <p:nvSpPr>
+          <p:cNvPr id="58" name="원호 57"/>
+          <p:cNvSpPr/>
+          <p:nvPr/>
+        </p:nvSpPr>
+        <p:spPr>
+          <a:xfrm>
+            <a:off x="7620673" y="1612524"/>
+            <a:ext cx="221705" cy="152787"/>
+          </a:xfrm>
+          <a:prstGeom prst="arc">
+            <a:avLst/>
+          </a:prstGeom>
+        </p:spPr>
+        <p:style>
+          <a:lnRef idx="1">
+            <a:schemeClr val="accent1"/>
+          </a:lnRef>
+          <a:fillRef idx="0">
+            <a:schemeClr val="accent1"/>
+          </a:fillRef>
+          <a:effectRef idx="0">
+            <a:schemeClr val="accent1"/>
+          </a:effectRef>
+          <a:fontRef idx="minor">
+            <a:schemeClr val="tx1"/>
+          </a:fontRef>
+        </p:style>
         <p:txBody>
           <a:bodyPr rtlCol="0" anchor="ctr"/>
           <a:lstStyle/>
@@ -3200,6 +3938,520 @@
           </a:p>
         </p:txBody>
       </p:sp>
+      <p:sp>
+        <p:nvSpPr>
+          <p:cNvPr id="59" name="TextBox 58"/>
+          <p:cNvSpPr txBox="1"/>
+          <p:nvPr/>
+        </p:nvSpPr>
+        <p:spPr>
+          <a:xfrm>
+            <a:off x="5639944" y="350943"/>
+            <a:ext cx="1530220" cy="646331"/>
+          </a:xfrm>
+          <a:prstGeom prst="rect">
+            <a:avLst/>
+          </a:prstGeom>
+          <a:noFill/>
+        </p:spPr>
+        <p:txBody>
+          <a:bodyPr wrap="square" rtlCol="0">
+            <a:spAutoFit/>
+          </a:bodyPr>
+          <a:lstStyle/>
+          <a:p>
+            <a:r>
+              <a:rPr lang="en-US" altLang="ko-KR" dirty="0" smtClean="0"/>
+              <a:t>45</a:t>
+            </a:r>
+            <a:r>
+              <a:rPr lang="ko-KR" altLang="en-US" dirty="0" smtClean="0"/>
+              <a:t>도 기울기</a:t>
+            </a:r>
+            <a:endParaRPr lang="en-US" altLang="ko-KR" dirty="0" smtClean="0"/>
+          </a:p>
+          <a:p>
+            <a:r>
+              <a:rPr lang="en-US" altLang="ko-KR" dirty="0" smtClean="0"/>
+              <a:t>90</a:t>
+            </a:r>
+            <a:r>
+              <a:rPr lang="ko-KR" altLang="en-US" dirty="0" smtClean="0"/>
+              <a:t>도 회전</a:t>
+            </a:r>
+            <a:endParaRPr lang="en-US" altLang="ko-KR" dirty="0" smtClean="0"/>
+          </a:p>
+        </p:txBody>
+      </p:sp>
+      <p:sp>
+        <p:nvSpPr>
+          <p:cNvPr id="60" name="TextBox 59"/>
+          <p:cNvSpPr txBox="1"/>
+          <p:nvPr/>
+        </p:nvSpPr>
+        <p:spPr>
+          <a:xfrm>
+            <a:off x="9227097" y="2462228"/>
+            <a:ext cx="292068" cy="369332"/>
+          </a:xfrm>
+          <a:prstGeom prst="rect">
+            <a:avLst/>
+          </a:prstGeom>
+          <a:noFill/>
+        </p:spPr>
+        <p:txBody>
+          <a:bodyPr wrap="none" rtlCol="0">
+            <a:spAutoFit/>
+          </a:bodyPr>
+          <a:lstStyle/>
+          <a:p>
+            <a:r>
+              <a:rPr lang="en-US" altLang="ko-KR" dirty="0"/>
+              <a:t>x</a:t>
+            </a:r>
+            <a:endParaRPr lang="ko-KR" altLang="en-US" dirty="0"/>
+          </a:p>
+        </p:txBody>
+      </p:sp>
+      <p:sp>
+        <p:nvSpPr>
+          <p:cNvPr id="61" name="TextBox 60"/>
+          <p:cNvSpPr txBox="1"/>
+          <p:nvPr/>
+        </p:nvSpPr>
+        <p:spPr>
+          <a:xfrm>
+            <a:off x="8484273" y="593384"/>
+            <a:ext cx="298480" cy="369332"/>
+          </a:xfrm>
+          <a:prstGeom prst="rect">
+            <a:avLst/>
+          </a:prstGeom>
+          <a:noFill/>
+        </p:spPr>
+        <p:txBody>
+          <a:bodyPr wrap="none" rtlCol="0">
+            <a:spAutoFit/>
+          </a:bodyPr>
+          <a:lstStyle/>
+          <a:p>
+            <a:r>
+              <a:rPr lang="en-US" altLang="ko-KR" dirty="0" smtClean="0"/>
+              <a:t>y</a:t>
+            </a:r>
+            <a:endParaRPr lang="ko-KR" altLang="en-US" dirty="0"/>
+          </a:p>
+        </p:txBody>
+      </p:sp>
+      <p:sp>
+        <p:nvSpPr>
+          <p:cNvPr id="62" name="TextBox 61"/>
+          <p:cNvSpPr txBox="1"/>
+          <p:nvPr/>
+        </p:nvSpPr>
+        <p:spPr>
+          <a:xfrm>
+            <a:off x="7519063" y="127054"/>
+            <a:ext cx="292068" cy="369332"/>
+          </a:xfrm>
+          <a:prstGeom prst="rect">
+            <a:avLst/>
+          </a:prstGeom>
+          <a:noFill/>
+        </p:spPr>
+        <p:txBody>
+          <a:bodyPr wrap="none" rtlCol="0">
+            <a:spAutoFit/>
+          </a:bodyPr>
+          <a:lstStyle/>
+          <a:p>
+            <a:r>
+              <a:rPr lang="en-US" altLang="ko-KR" dirty="0" smtClean="0"/>
+              <a:t>z</a:t>
+            </a:r>
+            <a:endParaRPr lang="ko-KR" altLang="en-US" dirty="0"/>
+          </a:p>
+        </p:txBody>
+      </p:sp>
+      <p:cxnSp>
+        <p:nvCxnSpPr>
+          <p:cNvPr id="81" name="직선 화살표 연결선 80"/>
+          <p:cNvCxnSpPr/>
+          <p:nvPr/>
+        </p:nvCxnSpPr>
+        <p:spPr>
+          <a:xfrm flipH="1" flipV="1">
+            <a:off x="7220484" y="720894"/>
+            <a:ext cx="935586" cy="2564154"/>
+          </a:xfrm>
+          <a:prstGeom prst="straightConnector1">
+            <a:avLst/>
+          </a:prstGeom>
+          <a:ln w="9525">
+            <a:solidFill>
+              <a:schemeClr val="tx1"/>
+            </a:solidFill>
+            <a:tailEnd type="triangle"/>
+          </a:ln>
+        </p:spPr>
+        <p:style>
+          <a:lnRef idx="1">
+            <a:schemeClr val="accent1"/>
+          </a:lnRef>
+          <a:fillRef idx="0">
+            <a:schemeClr val="accent1"/>
+          </a:fillRef>
+          <a:effectRef idx="0">
+            <a:schemeClr val="accent1"/>
+          </a:effectRef>
+          <a:fontRef idx="minor">
+            <a:schemeClr val="tx1"/>
+          </a:fontRef>
+        </p:style>
+      </p:cxnSp>
+      <p:sp>
+        <p:nvSpPr>
+          <p:cNvPr id="84" name="원호 83"/>
+          <p:cNvSpPr/>
+          <p:nvPr/>
+        </p:nvSpPr>
+        <p:spPr>
+          <a:xfrm rot="14997824">
+            <a:off x="7378128" y="154391"/>
+            <a:ext cx="1429163" cy="3050387"/>
+          </a:xfrm>
+          <a:prstGeom prst="arc">
+            <a:avLst>
+              <a:gd name="adj1" fmla="val 17614512"/>
+              <a:gd name="adj2" fmla="val 38844"/>
+            </a:avLst>
+          </a:prstGeom>
+          <a:ln w="9525">
+            <a:solidFill>
+              <a:schemeClr val="tx1"/>
+            </a:solidFill>
+            <a:prstDash val="sysDash"/>
+          </a:ln>
+        </p:spPr>
+        <p:style>
+          <a:lnRef idx="1">
+            <a:schemeClr val="accent1"/>
+          </a:lnRef>
+          <a:fillRef idx="0">
+            <a:schemeClr val="accent1"/>
+          </a:fillRef>
+          <a:effectRef idx="0">
+            <a:schemeClr val="accent1"/>
+          </a:effectRef>
+          <a:fontRef idx="minor">
+            <a:schemeClr val="tx1"/>
+          </a:fontRef>
+        </p:style>
+        <p:txBody>
+          <a:bodyPr rtlCol="0" anchor="ctr"/>
+          <a:lstStyle/>
+          <a:p>
+            <a:pPr algn="ctr"/>
+            <a:endParaRPr lang="ko-KR" altLang="en-US"/>
+          </a:p>
+        </p:txBody>
+      </p:sp>
+      <p:cxnSp>
+        <p:nvCxnSpPr>
+          <p:cNvPr id="85" name="직선 화살표 연결선 84"/>
+          <p:cNvCxnSpPr/>
+          <p:nvPr/>
+        </p:nvCxnSpPr>
+        <p:spPr>
+          <a:xfrm flipH="1" flipV="1">
+            <a:off x="6836663" y="1592829"/>
+            <a:ext cx="778399" cy="323027"/>
+          </a:xfrm>
+          <a:prstGeom prst="straightConnector1">
+            <a:avLst/>
+          </a:prstGeom>
+          <a:ln w="25400">
+            <a:solidFill>
+              <a:schemeClr val="accent6">
+                <a:lumMod val="60000"/>
+                <a:lumOff val="40000"/>
+              </a:schemeClr>
+            </a:solidFill>
+            <a:tailEnd type="triangle"/>
+          </a:ln>
+        </p:spPr>
+        <p:style>
+          <a:lnRef idx="1">
+            <a:schemeClr val="accent1"/>
+          </a:lnRef>
+          <a:fillRef idx="0">
+            <a:schemeClr val="accent1"/>
+          </a:fillRef>
+          <a:effectRef idx="0">
+            <a:schemeClr val="accent1"/>
+          </a:effectRef>
+          <a:fontRef idx="minor">
+            <a:schemeClr val="tx1"/>
+          </a:fontRef>
+        </p:style>
+      </p:cxnSp>
+      <p:sp>
+        <p:nvSpPr>
+          <p:cNvPr id="115" name="TextBox 114"/>
+          <p:cNvSpPr txBox="1"/>
+          <p:nvPr/>
+        </p:nvSpPr>
+        <p:spPr>
+          <a:xfrm>
+            <a:off x="6180603" y="3653288"/>
+            <a:ext cx="4061496" cy="1754326"/>
+          </a:xfrm>
+          <a:prstGeom prst="rect">
+            <a:avLst/>
+          </a:prstGeom>
+          <a:noFill/>
+        </p:spPr>
+        <p:txBody>
+          <a:bodyPr wrap="none" rtlCol="0">
+            <a:spAutoFit/>
+          </a:bodyPr>
+          <a:lstStyle/>
+          <a:p>
+            <a:r>
+              <a:rPr lang="en-US" altLang="ko-KR" dirty="0" smtClean="0"/>
+              <a:t>X</a:t>
+            </a:r>
+            <a:r>
+              <a:rPr lang="ko-KR" altLang="en-US" dirty="0" smtClean="0"/>
+              <a:t>축 </a:t>
+            </a:r>
+            <a:r>
+              <a:rPr lang="en-US" altLang="ko-KR" dirty="0" smtClean="0"/>
+              <a:t>45</a:t>
+            </a:r>
+            <a:r>
+              <a:rPr lang="ko-KR" altLang="en-US" dirty="0" smtClean="0"/>
+              <a:t>도 기울임  </a:t>
+            </a:r>
+            <a:r>
+              <a:rPr lang="en-US" altLang="ko-KR" dirty="0" smtClean="0"/>
+              <a:t>-&gt; Angle_Roll = 45</a:t>
+            </a:r>
+          </a:p>
+          <a:p>
+            <a:r>
+              <a:rPr lang="en-US" altLang="ko-KR" dirty="0" smtClean="0"/>
+              <a:t>	  	-&gt; </a:t>
+            </a:r>
+            <a:r>
+              <a:rPr lang="en-US" altLang="ko-KR" dirty="0"/>
+              <a:t>Angle_Pitch = 0</a:t>
+            </a:r>
+          </a:p>
+          <a:p>
+            <a:endParaRPr lang="en-US" altLang="ko-KR" dirty="0" smtClean="0"/>
+          </a:p>
+          <a:p>
+            <a:r>
+              <a:rPr lang="en-US" altLang="ko-KR" dirty="0" smtClean="0"/>
+              <a:t>Z</a:t>
+            </a:r>
+            <a:r>
+              <a:rPr lang="ko-KR" altLang="en-US" dirty="0" smtClean="0"/>
+              <a:t>축 </a:t>
+            </a:r>
+            <a:r>
+              <a:rPr lang="en-US" altLang="ko-KR" dirty="0" smtClean="0"/>
+              <a:t>90</a:t>
+            </a:r>
+            <a:r>
+              <a:rPr lang="ko-KR" altLang="en-US" dirty="0" smtClean="0"/>
+              <a:t>도 회전 </a:t>
+            </a:r>
+            <a:r>
+              <a:rPr lang="en-US" altLang="ko-KR" dirty="0" smtClean="0"/>
+              <a:t>-&gt; Angle_Roll = 0</a:t>
+            </a:r>
+          </a:p>
+          <a:p>
+            <a:r>
+              <a:rPr lang="en-US" altLang="ko-KR" dirty="0" smtClean="0"/>
+              <a:t>	        -&gt; </a:t>
+            </a:r>
+            <a:r>
+              <a:rPr lang="en-US" altLang="ko-KR" dirty="0"/>
+              <a:t>Angle_Pitch = 45</a:t>
+            </a:r>
+            <a:endParaRPr lang="ko-KR" altLang="en-US" dirty="0"/>
+          </a:p>
+          <a:p>
+            <a:endParaRPr lang="ko-KR" altLang="en-US" dirty="0"/>
+          </a:p>
+        </p:txBody>
+      </p:sp>
+      <p:sp>
+        <p:nvSpPr>
+          <p:cNvPr id="117" name="TextBox 116"/>
+          <p:cNvSpPr txBox="1"/>
+          <p:nvPr/>
+        </p:nvSpPr>
+        <p:spPr>
+          <a:xfrm>
+            <a:off x="7169257" y="5339232"/>
+            <a:ext cx="1576778" cy="646331"/>
+          </a:xfrm>
+          <a:prstGeom prst="rect">
+            <a:avLst/>
+          </a:prstGeom>
+          <a:noFill/>
+        </p:spPr>
+        <p:txBody>
+          <a:bodyPr wrap="none" rtlCol="0">
+            <a:spAutoFit/>
+          </a:bodyPr>
+          <a:lstStyle/>
+          <a:p>
+            <a:r>
+              <a:rPr lang="en-US" altLang="ko-KR" dirty="0" smtClean="0"/>
+              <a:t>Roll  -&gt; Pitch</a:t>
+            </a:r>
+          </a:p>
+          <a:p>
+            <a:r>
+              <a:rPr lang="en-US" altLang="ko-KR" dirty="0" smtClean="0"/>
+              <a:t>Pitch –&gt; Roll</a:t>
+            </a:r>
+            <a:endParaRPr lang="ko-KR" altLang="en-US" dirty="0"/>
+          </a:p>
+        </p:txBody>
+      </p:sp>
+      <p:sp>
+        <p:nvSpPr>
+          <p:cNvPr id="124" name="왼쪽으로 구부러진 화살표 123"/>
+          <p:cNvSpPr/>
+          <p:nvPr/>
+        </p:nvSpPr>
+        <p:spPr>
+          <a:xfrm rot="20472333" flipV="1">
+            <a:off x="7329294" y="707659"/>
+            <a:ext cx="247683" cy="250168"/>
+          </a:xfrm>
+          <a:prstGeom prst="curvedLeftArrow">
+            <a:avLst/>
+          </a:prstGeom>
+          <a:solidFill>
+            <a:schemeClr val="bg2">
+              <a:lumMod val="75000"/>
+            </a:schemeClr>
+          </a:solidFill>
+          <a:ln>
+            <a:solidFill>
+              <a:schemeClr val="tx1">
+                <a:lumMod val="95000"/>
+                <a:lumOff val="5000"/>
+              </a:schemeClr>
+            </a:solidFill>
+          </a:ln>
+        </p:spPr>
+        <p:style>
+          <a:lnRef idx="2">
+            <a:schemeClr val="accent1">
+              <a:shade val="50000"/>
+            </a:schemeClr>
+          </a:lnRef>
+          <a:fillRef idx="1">
+            <a:schemeClr val="accent1"/>
+          </a:fillRef>
+          <a:effectRef idx="0">
+            <a:schemeClr val="accent1"/>
+          </a:effectRef>
+          <a:fontRef idx="minor">
+            <a:schemeClr val="lt1"/>
+          </a:fontRef>
+        </p:style>
+        <p:txBody>
+          <a:bodyPr rtlCol="0" anchor="ctr"/>
+          <a:lstStyle/>
+          <a:p>
+            <a:pPr algn="ctr"/>
+            <a:endParaRPr lang="ko-KR" altLang="en-US">
+              <a:solidFill>
+                <a:schemeClr val="tx1"/>
+              </a:solidFill>
+            </a:endParaRPr>
+          </a:p>
+        </p:txBody>
+      </p:sp>
+      <p:cxnSp>
+        <p:nvCxnSpPr>
+          <p:cNvPr id="126" name="직선 연결선 125"/>
+          <p:cNvCxnSpPr/>
+          <p:nvPr/>
+        </p:nvCxnSpPr>
+        <p:spPr>
+          <a:xfrm flipH="1" flipV="1">
+            <a:off x="7427167" y="1679510"/>
+            <a:ext cx="183507" cy="85801"/>
+          </a:xfrm>
+          <a:prstGeom prst="line">
+            <a:avLst/>
+          </a:prstGeom>
+          <a:ln>
+            <a:solidFill>
+              <a:schemeClr val="tx1"/>
+            </a:solidFill>
+          </a:ln>
+        </p:spPr>
+        <p:style>
+          <a:lnRef idx="1">
+            <a:schemeClr val="accent1"/>
+          </a:lnRef>
+          <a:fillRef idx="0">
+            <a:schemeClr val="accent1"/>
+          </a:fillRef>
+          <a:effectRef idx="0">
+            <a:schemeClr val="accent1"/>
+          </a:effectRef>
+          <a:fontRef idx="minor">
+            <a:schemeClr val="tx1"/>
+          </a:fontRef>
+        </p:style>
+      </p:cxnSp>
+      <p:cxnSp>
+        <p:nvCxnSpPr>
+          <p:cNvPr id="128" name="직선 연결선 127"/>
+          <p:cNvCxnSpPr/>
+          <p:nvPr/>
+        </p:nvCxnSpPr>
+        <p:spPr>
+          <a:xfrm>
+            <a:off x="7418617" y="1676077"/>
+            <a:ext cx="75660" cy="181694"/>
+          </a:xfrm>
+          <a:prstGeom prst="line">
+            <a:avLst/>
+          </a:prstGeom>
+          <a:ln>
+            <a:solidFill>
+              <a:schemeClr val="tx1"/>
+            </a:solidFill>
+          </a:ln>
+        </p:spPr>
+        <p:style>
+          <a:lnRef idx="1">
+            <a:schemeClr val="accent1"/>
+          </a:lnRef>
+          <a:fillRef idx="0">
+            <a:schemeClr val="accent1"/>
+          </a:fillRef>
+          <a:effectRef idx="0">
+            <a:schemeClr val="accent1"/>
+          </a:effectRef>
+          <a:fontRef idx="minor">
+            <a:schemeClr val="tx1"/>
+          </a:fontRef>
+        </p:style>
+      </p:cxnSp>
     </p:spTree>
     <p:extLst>
       <p:ext uri="{BB962C8B-B14F-4D97-AF65-F5344CB8AC3E}">
